--- a/Java Collection classes.pptx
+++ b/Java Collection classes.pptx
@@ -12673,7 +12673,7 @@
           <a:p>
             <a:r>
               <a:rPr lang="fi-FI" dirty="0" err="1"/>
-              <a:t>Introduction</a:t>
+              <a:t>Material</a:t>
             </a:r>
             <a:endParaRPr lang="fi-FI" dirty="0"/>
           </a:p>
@@ -12700,7 +12700,17 @@
           <a:bodyPr/>
           <a:lstStyle/>
           <a:p>
-            <a:endParaRPr lang="fi-FI"/>
+            <a:r>
+              <a:rPr lang="fi-FI">
+                <a:hlinkClick r:id="rId2"/>
+              </a:rPr>
+              <a:t>https://github.com/lpemake/DataStructuresJavaESAIP</a:t>
+            </a:r>
+            <a:r>
+              <a:rPr lang="fi-FI"/>
+              <a:t> </a:t>
+            </a:r>
+            <a:endParaRPr lang="fi-FI" dirty="0"/>
           </a:p>
         </p:txBody>
       </p:sp>
